--- a/BDM_FINAL/report.pptx
+++ b/BDM_FINAL/report.pptx
@@ -213,7 +213,7 @@
           <a:p>
             <a:fld id="{E228B9CF-CB71-4C17-9B8D-ED20046C8DC4}" type="datetimeFigureOut">
               <a:rPr lang="en-US" smtClean="0"/>
-              <a:t>1/1/2020</a:t>
+              <a:t>1/3/2020</a:t>
             </a:fld>
             <a:endParaRPr lang="en-US"/>
           </a:p>
@@ -1096,7 +1096,7 @@
           <a:p>
             <a:fld id="{A48906DB-5199-4088-AE79-42DA2168B79C}" type="datetimeFigureOut">
               <a:rPr lang="en-US" smtClean="0"/>
-              <a:t>1/1/2020</a:t>
+              <a:t>1/3/2020</a:t>
             </a:fld>
             <a:endParaRPr lang="en-US"/>
           </a:p>
@@ -1377,7 +1377,7 @@
           <a:p>
             <a:fld id="{A48906DB-5199-4088-AE79-42DA2168B79C}" type="datetimeFigureOut">
               <a:rPr lang="en-US" smtClean="0"/>
-              <a:t>1/1/2020</a:t>
+              <a:t>1/3/2020</a:t>
             </a:fld>
             <a:endParaRPr lang="en-US"/>
           </a:p>
@@ -1569,7 +1569,7 @@
           <a:p>
             <a:fld id="{A48906DB-5199-4088-AE79-42DA2168B79C}" type="datetimeFigureOut">
               <a:rPr lang="en-US" smtClean="0"/>
-              <a:t>1/1/2020</a:t>
+              <a:t>1/3/2020</a:t>
             </a:fld>
             <a:endParaRPr lang="en-US"/>
           </a:p>
@@ -1830,7 +1830,7 @@
           <a:p>
             <a:fld id="{A48906DB-5199-4088-AE79-42DA2168B79C}" type="datetimeFigureOut">
               <a:rPr lang="en-US" smtClean="0"/>
-              <a:t>1/1/2020</a:t>
+              <a:t>1/3/2020</a:t>
             </a:fld>
             <a:endParaRPr lang="en-US"/>
           </a:p>
@@ -2256,7 +2256,7 @@
           <a:p>
             <a:fld id="{A48906DB-5199-4088-AE79-42DA2168B79C}" type="datetimeFigureOut">
               <a:rPr lang="en-US" smtClean="0"/>
-              <a:t>1/1/2020</a:t>
+              <a:t>1/3/2020</a:t>
             </a:fld>
             <a:endParaRPr lang="en-US"/>
           </a:p>
@@ -2802,7 +2802,7 @@
           <a:p>
             <a:fld id="{A48906DB-5199-4088-AE79-42DA2168B79C}" type="datetimeFigureOut">
               <a:rPr lang="en-US" smtClean="0"/>
-              <a:t>1/1/2020</a:t>
+              <a:t>1/3/2020</a:t>
             </a:fld>
             <a:endParaRPr lang="en-US"/>
           </a:p>
@@ -3633,7 +3633,7 @@
           <a:p>
             <a:fld id="{A48906DB-5199-4088-AE79-42DA2168B79C}" type="datetimeFigureOut">
               <a:rPr lang="en-US" smtClean="0"/>
-              <a:t>1/1/2020</a:t>
+              <a:t>1/3/2020</a:t>
             </a:fld>
             <a:endParaRPr lang="en-US"/>
           </a:p>
@@ -3803,7 +3803,7 @@
           <a:p>
             <a:fld id="{A48906DB-5199-4088-AE79-42DA2168B79C}" type="datetimeFigureOut">
               <a:rPr lang="en-US" smtClean="0"/>
-              <a:t>1/1/2020</a:t>
+              <a:t>1/3/2020</a:t>
             </a:fld>
             <a:endParaRPr lang="en-US"/>
           </a:p>
@@ -3983,7 +3983,7 @@
           <a:p>
             <a:fld id="{A48906DB-5199-4088-AE79-42DA2168B79C}" type="datetimeFigureOut">
               <a:rPr lang="en-US" smtClean="0"/>
-              <a:t>1/1/2020</a:t>
+              <a:t>1/3/2020</a:t>
             </a:fld>
             <a:endParaRPr lang="en-US"/>
           </a:p>
@@ -4153,7 +4153,7 @@
           <a:p>
             <a:fld id="{A48906DB-5199-4088-AE79-42DA2168B79C}" type="datetimeFigureOut">
               <a:rPr lang="en-US" smtClean="0"/>
-              <a:t>1/1/2020</a:t>
+              <a:t>1/3/2020</a:t>
             </a:fld>
             <a:endParaRPr lang="en-US"/>
           </a:p>
@@ -4410,7 +4410,7 @@
           <a:p>
             <a:fld id="{A48906DB-5199-4088-AE79-42DA2168B79C}" type="datetimeFigureOut">
               <a:rPr lang="en-US" smtClean="0"/>
-              <a:t>1/1/2020</a:t>
+              <a:t>1/3/2020</a:t>
             </a:fld>
             <a:endParaRPr lang="en-US"/>
           </a:p>
@@ -4642,7 +4642,7 @@
           <a:p>
             <a:fld id="{A48906DB-5199-4088-AE79-42DA2168B79C}" type="datetimeFigureOut">
               <a:rPr lang="en-US" smtClean="0"/>
-              <a:t>1/1/2020</a:t>
+              <a:t>1/3/2020</a:t>
             </a:fld>
             <a:endParaRPr lang="en-US"/>
           </a:p>
@@ -5035,7 +5035,7 @@
           <a:p>
             <a:fld id="{A48906DB-5199-4088-AE79-42DA2168B79C}" type="datetimeFigureOut">
               <a:rPr lang="en-US" smtClean="0"/>
-              <a:t>1/1/2020</a:t>
+              <a:t>1/3/2020</a:t>
             </a:fld>
             <a:endParaRPr lang="en-US"/>
           </a:p>
@@ -5153,7 +5153,7 @@
           <a:p>
             <a:fld id="{A48906DB-5199-4088-AE79-42DA2168B79C}" type="datetimeFigureOut">
               <a:rPr lang="en-US" smtClean="0"/>
-              <a:t>1/1/2020</a:t>
+              <a:t>1/3/2020</a:t>
             </a:fld>
             <a:endParaRPr lang="en-US"/>
           </a:p>
@@ -5248,7 +5248,7 @@
           <a:p>
             <a:fld id="{A48906DB-5199-4088-AE79-42DA2168B79C}" type="datetimeFigureOut">
               <a:rPr lang="en-US" smtClean="0"/>
-              <a:t>1/1/2020</a:t>
+              <a:t>1/3/2020</a:t>
             </a:fld>
             <a:endParaRPr lang="en-US"/>
           </a:p>
@@ -5521,7 +5521,7 @@
           <a:p>
             <a:fld id="{A48906DB-5199-4088-AE79-42DA2168B79C}" type="datetimeFigureOut">
               <a:rPr lang="en-US" smtClean="0"/>
-              <a:t>1/1/2020</a:t>
+              <a:t>1/3/2020</a:t>
             </a:fld>
             <a:endParaRPr lang="en-US"/>
           </a:p>
@@ -5802,7 +5802,7 @@
           <a:p>
             <a:fld id="{A48906DB-5199-4088-AE79-42DA2168B79C}" type="datetimeFigureOut">
               <a:rPr lang="en-US" smtClean="0"/>
-              <a:t>1/1/2020</a:t>
+              <a:t>1/3/2020</a:t>
             </a:fld>
             <a:endParaRPr lang="en-US"/>
           </a:p>
@@ -6042,7 +6042,7 @@
           <a:p>
             <a:fld id="{A48906DB-5199-4088-AE79-42DA2168B79C}" type="datetimeFigureOut">
               <a:rPr lang="en-US" smtClean="0"/>
-              <a:t>1/1/2020</a:t>
+              <a:t>1/3/2020</a:t>
             </a:fld>
             <a:endParaRPr lang="en-US"/>
           </a:p>
@@ -6741,7 +6741,7 @@
             <a:fld id="{3F7FB1AE-4524-4979-BFC9-D69CBF8D6731}" type="datetime2">
               <a:rPr lang="en-US" altLang="zh-TW" smtClean="0"/>
               <a:pPr/>
-              <a:t>Wednesday, January 1, 2020</a:t>
+              <a:t>Friday, January 3, 2020</a:t>
             </a:fld>
             <a:endParaRPr lang="en-US"/>
           </a:p>
@@ -7844,9 +7844,12 @@
               <a:rPr lang="en-US">
                 <a:hlinkClick r:id="rId3"/>
               </a:rPr>
-              <a:t>https://nbviewer.jupyter.org/github/akjsn/1081_BDMFIN/blob/master/BDM_FINAL/FINAL.ipynb</a:t>
-            </a:r>
-            <a:endParaRPr lang="en-US"/>
+              <a:t>https://nbviewer.jupyter.org/github/akjsn/1081_BDM/blob/master/BDM_FINAL/FINAL.ipynb</a:t>
+            </a:r>
+            <a:r>
+              <a:rPr lang="en-US"/>
+              <a:t> </a:t>
+            </a:r>
           </a:p>
         </p:txBody>
       </p:sp>
@@ -7907,10 +7910,10 @@
       </p:sp>
       <p:pic>
         <p:nvPicPr>
-          <p:cNvPr id="4" name="Picture 3">
+          <p:cNvPr id="2" name="Picture 1">
             <a:extLst>
               <a:ext uri="{FF2B5EF4-FFF2-40B4-BE49-F238E27FC236}">
-                <a16:creationId xmlns:a16="http://schemas.microsoft.com/office/drawing/2014/main" id="{4915E33B-7656-45FA-AE5B-8D860B882060}"/>
+                <a16:creationId xmlns:a16="http://schemas.microsoft.com/office/drawing/2014/main" id="{4DFF4CD2-BAEA-4EDA-9B32-FB825F141565}"/>
               </a:ext>
             </a:extLst>
           </p:cNvPr>
@@ -7927,8 +7930,8 @@
         </p:blipFill>
         <p:spPr>
           <a:xfrm>
-            <a:off x="8919861" y="3053024"/>
-            <a:ext cx="3115867" cy="3123939"/>
+            <a:off x="9001755" y="3099916"/>
+            <a:ext cx="2956673" cy="2941393"/>
           </a:xfrm>
           <a:prstGeom prst="rect">
             <a:avLst/>
